--- a/docs/5_presentation/sdd13_presentation.pptx
+++ b/docs/5_presentation/sdd13_presentation.pptx
@@ -129,14 +129,6 @@
     </p:ext>
   </p:extLst>
 </p:presentation>
-</file>
-
-<file path=ppt/revisionInfo.xml><?xml version="1.0" encoding="utf-8"?>
-<p1510:revInfo xmlns:a="http://schemas.openxmlformats.org/drawingml/2006/main" xmlns:r="http://schemas.openxmlformats.org/officeDocument/2006/relationships" xmlns:p1510="http://schemas.microsoft.com/office/powerpoint/2015/10/main">
-  <p1510:revLst>
-    <p1510:client id="{938EB9E0-6622-4CB9-A57F-097ABA0F1F2C}" v="609" dt="2025-05-18T19:36:24.463"/>
-  </p1510:revLst>
-</p1510:revInfo>
 </file>
 
 <file path=ppt/changesInfos/changesInfo1.xml><?xml version="1.0" encoding="utf-8"?>
@@ -694,6 +686,45 @@
       </pc:sldChg>
     </pc:docChg>
   </pc:docChgLst>
+  <pc:docChgLst>
+    <pc:chgData name="Shreeya Dinesh Desai" userId="66bacb6e4630ab98" providerId="LiveId" clId="{3B27041C-5363-4A51-8428-47976C764407}"/>
+    <pc:docChg chg="custSel modSld">
+      <pc:chgData name="Shreeya Dinesh Desai" userId="66bacb6e4630ab98" providerId="LiveId" clId="{3B27041C-5363-4A51-8428-47976C764407}" dt="2025-05-22T07:54:14.775" v="73" actId="20577"/>
+      <pc:docMkLst>
+        <pc:docMk/>
+      </pc:docMkLst>
+      <pc:sldChg chg="modSp mod">
+        <pc:chgData name="Shreeya Dinesh Desai" userId="66bacb6e4630ab98" providerId="LiveId" clId="{3B27041C-5363-4A51-8428-47976C764407}" dt="2025-05-22T07:54:14.775" v="73" actId="20577"/>
+        <pc:sldMkLst>
+          <pc:docMk/>
+          <pc:sldMk cId="0" sldId="305"/>
+        </pc:sldMkLst>
+        <pc:spChg chg="mod">
+          <ac:chgData name="Shreeya Dinesh Desai" userId="66bacb6e4630ab98" providerId="LiveId" clId="{3B27041C-5363-4A51-8428-47976C764407}" dt="2025-05-22T07:54:14.775" v="73" actId="20577"/>
+          <ac:spMkLst>
+            <pc:docMk/>
+            <pc:sldMk cId="0" sldId="305"/>
+            <ac:spMk id="3" creationId="{955C966D-7981-C25A-62CF-0D1CAE95572B}"/>
+          </ac:spMkLst>
+        </pc:spChg>
+      </pc:sldChg>
+      <pc:sldChg chg="modSp mod">
+        <pc:chgData name="Shreeya Dinesh Desai" userId="66bacb6e4630ab98" providerId="LiveId" clId="{3B27041C-5363-4A51-8428-47976C764407}" dt="2025-05-22T07:53:46.603" v="44" actId="20577"/>
+        <pc:sldMkLst>
+          <pc:docMk/>
+          <pc:sldMk cId="515143845" sldId="432"/>
+        </pc:sldMkLst>
+        <pc:spChg chg="mod">
+          <ac:chgData name="Shreeya Dinesh Desai" userId="66bacb6e4630ab98" providerId="LiveId" clId="{3B27041C-5363-4A51-8428-47976C764407}" dt="2025-05-22T07:53:46.603" v="44" actId="20577"/>
+          <ac:spMkLst>
+            <pc:docMk/>
+            <pc:sldMk cId="515143845" sldId="432"/>
+            <ac:spMk id="32" creationId="{71EB5D31-D5DA-00E6-18C9-4AA1327C2BA5}"/>
+          </ac:spMkLst>
+        </pc:spChg>
+      </pc:sldChg>
+    </pc:docChg>
+  </pc:docChgLst>
 </pc:chgInfo>
 </file>
 
@@ -867,7 +898,7 @@
                   <a:uFillTx/>
                 </a:defRPr>
               </a:pPr>
-              <a:t>21/05/2025</a:t>
+              <a:t>22/05/2025</a:t>
             </a:fld>
             <a:endParaRPr lang="en-GB" sz="1200" b="0" i="0" u="none" strike="noStrike" kern="1200" cap="none" spc="0" baseline="0">
               <a:solidFill>
@@ -1167,7 +1198,7 @@
             <a:fld id="{D338FC5C-F061-45C0-BE65-C87B563BE10B}" type="datetime1">
               <a:rPr lang="en-GB"/>
               <a:pPr lvl="0"/>
-              <a:t>21/05/2025</a:t>
+              <a:t>22/05/2025</a:t>
             </a:fld>
             <a:endParaRPr lang="en-GB"/>
           </a:p>
@@ -4911,7 +4942,7 @@
             <a:fld id="{D413C71E-47E9-4066-ACEF-B16F80E75713}" type="datetime1">
               <a:rPr lang="en-GB"/>
               <a:pPr lvl="0"/>
-              <a:t>21/05/2025</a:t>
+              <a:t>22/05/2025</a:t>
             </a:fld>
             <a:endParaRPr lang="en-GB"/>
           </a:p>
@@ -5629,7 +5660,7 @@
             <a:fld id="{2EBBE1CE-8F5C-48E0-97CE-003DE1CD1CC5}" type="datetime1">
               <a:rPr lang="en-GB"/>
               <a:pPr lvl="0"/>
-              <a:t>21/05/2025</a:t>
+              <a:t>22/05/2025</a:t>
             </a:fld>
             <a:endParaRPr lang="en-GB"/>
           </a:p>
@@ -6160,7 +6191,7 @@
             <a:fld id="{19B29211-5E11-4580-B287-3E17BB72FDC2}" type="datetime1">
               <a:rPr lang="en-GB"/>
               <a:pPr lvl="0"/>
-              <a:t>21/05/2025</a:t>
+              <a:t>22/05/2025</a:t>
             </a:fld>
             <a:endParaRPr lang="en-GB"/>
           </a:p>
@@ -6734,7 +6765,7 @@
             <a:fld id="{725F1F1E-A84D-47E2-9953-8FB08034F58E}" type="datetime1">
               <a:rPr lang="en-GB"/>
               <a:pPr lvl="0"/>
-              <a:t>21/05/2025</a:t>
+              <a:t>22/05/2025</a:t>
             </a:fld>
             <a:endParaRPr lang="en-GB"/>
           </a:p>
@@ -7823,7 +7854,7 @@
             <a:fld id="{02C18F2B-CDDA-4C5B-978B-86065C445CEC}" type="datetime1">
               <a:rPr lang="en-GB"/>
               <a:pPr lvl="0"/>
-              <a:t>21/05/2025</a:t>
+              <a:t>22/05/2025</a:t>
             </a:fld>
             <a:endParaRPr lang="en-GB"/>
           </a:p>
@@ -8205,7 +8236,7 @@
             <a:fld id="{15BB0BBC-1A06-450D-9541-BD1C65B15A7E}" type="datetime1">
               <a:rPr lang="en-GB"/>
               <a:pPr lvl="0"/>
-              <a:t>21/05/2025</a:t>
+              <a:t>22/05/2025</a:t>
             </a:fld>
             <a:endParaRPr lang="en-GB"/>
           </a:p>
@@ -8636,7 +8667,7 @@
             <a:fld id="{CB104A09-4551-44C2-85DE-EFE577E21FDD}" type="datetime1">
               <a:rPr lang="en-GB"/>
               <a:pPr lvl="0"/>
-              <a:t>21/05/2025</a:t>
+              <a:t>22/05/2025</a:t>
             </a:fld>
             <a:endParaRPr lang="en-GB"/>
           </a:p>
@@ -9231,7 +9262,7 @@
             <a:fld id="{AD5D2AF0-6071-4363-94AA-993CBD4A1565}" type="datetime1">
               <a:rPr lang="en-GB"/>
               <a:pPr lvl="0"/>
-              <a:t>21/05/2025</a:t>
+              <a:t>22/05/2025</a:t>
             </a:fld>
             <a:endParaRPr lang="en-GB"/>
           </a:p>
@@ -10922,7 +10953,7 @@
             <a:fld id="{5F9C90DF-672B-43C2-AD91-B55547BF877B}" type="datetime1">
               <a:rPr lang="en-GB"/>
               <a:pPr lvl="0"/>
-              <a:t>21/05/2025</a:t>
+              <a:t>22/05/2025</a:t>
             </a:fld>
             <a:endParaRPr lang="en-GB"/>
           </a:p>
@@ -13238,7 +13269,7 @@
             <a:fld id="{27B35957-3DA3-4813-BB00-D0F22479AB5E}" type="datetime1">
               <a:rPr lang="en-GB"/>
               <a:pPr lvl="0"/>
-              <a:t>21/05/2025</a:t>
+              <a:t>22/05/2025</a:t>
             </a:fld>
             <a:endParaRPr lang="en-GB"/>
           </a:p>
@@ -15553,7 +15584,7 @@
             <a:fld id="{0DC85F60-E807-4A57-9F94-34E980FF0110}" type="datetime1">
               <a:rPr lang="en-GB"/>
               <a:pPr lvl="0"/>
-              <a:t>21/05/2025</a:t>
+              <a:t>22/05/2025</a:t>
             </a:fld>
             <a:endParaRPr lang="en-GB"/>
           </a:p>
@@ -17919,7 +17950,7 @@
             <a:fld id="{6E09E4C7-84C6-42C2-9B01-3265C1AB8953}" type="datetime1">
               <a:rPr lang="en-GB"/>
               <a:pPr lvl="0"/>
-              <a:t>21/05/2025</a:t>
+              <a:t>22/05/2025</a:t>
             </a:fld>
             <a:endParaRPr lang="en-GB"/>
           </a:p>
@@ -19238,7 +19269,7 @@
             <a:fld id="{83B8140F-0C51-4CC2-80E1-E997F4AA965D}" type="datetime1">
               <a:rPr lang="en-GB"/>
               <a:pPr lvl="0"/>
-              <a:t>21/05/2025</a:t>
+              <a:t>22/05/2025</a:t>
             </a:fld>
             <a:endParaRPr lang="en-GB"/>
           </a:p>
@@ -20337,7 +20368,7 @@
             <a:fld id="{7B8BF19F-9685-413F-9D2C-727E506C7250}" type="datetime1">
               <a:rPr lang="en-GB"/>
               <a:pPr lvl="0"/>
-              <a:t>21/05/2025</a:t>
+              <a:t>22/05/2025</a:t>
             </a:fld>
             <a:endParaRPr lang="en-GB"/>
           </a:p>
@@ -20679,7 +20710,7 @@
             <a:fld id="{E6D7367E-2FDB-4477-9B72-63121B846905}" type="datetime1">
               <a:rPr lang="en-GB"/>
               <a:pPr lvl="0"/>
-              <a:t>21/05/2025</a:t>
+              <a:t>22/05/2025</a:t>
             </a:fld>
             <a:endParaRPr lang="en-GB"/>
           </a:p>
@@ -21021,7 +21052,7 @@
             <a:fld id="{5431F503-E14C-4777-8BBD-843509A591EF}" type="datetime1">
               <a:rPr lang="en-GB"/>
               <a:pPr lvl="0"/>
-              <a:t>21/05/2025</a:t>
+              <a:t>22/05/2025</a:t>
             </a:fld>
             <a:endParaRPr lang="en-GB"/>
           </a:p>
@@ -21406,7 +21437,7 @@
             <a:fld id="{A55A9D3E-10D3-4CA3-8DD8-4D0D4309F0EB}" type="datetime1">
               <a:rPr lang="en-GB"/>
               <a:pPr lvl="0"/>
-              <a:t>21/05/2025</a:t>
+              <a:t>22/05/2025</a:t>
             </a:fld>
             <a:endParaRPr lang="en-GB"/>
           </a:p>
@@ -21805,7 +21836,7 @@
             <a:fld id="{2EF21FA6-3EB8-448A-90F3-80A32EA9D5C1}" type="datetime1">
               <a:rPr lang="en-GB"/>
               <a:pPr lvl="0"/>
-              <a:t>21/05/2025</a:t>
+              <a:t>22/05/2025</a:t>
             </a:fld>
             <a:endParaRPr lang="en-GB"/>
           </a:p>
@@ -22314,7 +22345,7 @@
             <a:fld id="{BCFF0EDC-3F4F-46F5-91AD-74D39639B7BB}" type="datetime1">
               <a:rPr lang="en-GB"/>
               <a:pPr lvl="0"/>
-              <a:t>21/05/2025</a:t>
+              <a:t>22/05/2025</a:t>
             </a:fld>
             <a:endParaRPr lang="en-GB"/>
           </a:p>
@@ -23310,7 +23341,7 @@
         <p:spPr>
           <a:xfrm>
             <a:off x="414927" y="1626256"/>
-            <a:ext cx="10225668" cy="883383"/>
+            <a:ext cx="10225668" cy="3186578"/>
           </a:xfrm>
           <a:prstGeom prst="rect">
             <a:avLst/>
@@ -23336,7 +23367,97 @@
             </a:pPr>
             <a:r>
               <a:rPr lang="en-GB" dirty="0"/>
-              <a:t>Azure services used were Azure SQl, Azure Cosmo DB, Azure Container Apps, Azure Service Apps, Azure Communication service, Azure Storage Accounts.</a:t>
+              <a:t>Azure SQl.</a:t>
+            </a:r>
+          </a:p>
+          <a:p>
+            <a:pPr marL="285750" indent="-285750" algn="just">
+              <a:lnSpc>
+                <a:spcPct val="150000"/>
+              </a:lnSpc>
+              <a:spcBef>
+                <a:spcPts val="1000"/>
+              </a:spcBef>
+              <a:buSzPct val="100000"/>
+              <a:buFont typeface="Arial" panose="020B0604020202020204" pitchFamily="34" charset="0"/>
+              <a:buChar char="•"/>
+            </a:pPr>
+            <a:r>
+              <a:rPr lang="en-GB" dirty="0"/>
+              <a:t>Azure Cosmo DB.</a:t>
+            </a:r>
+          </a:p>
+          <a:p>
+            <a:pPr marL="285750" indent="-285750" algn="just">
+              <a:lnSpc>
+                <a:spcPct val="150000"/>
+              </a:lnSpc>
+              <a:spcBef>
+                <a:spcPts val="1000"/>
+              </a:spcBef>
+              <a:buSzPct val="100000"/>
+              <a:buFont typeface="Arial" panose="020B0604020202020204" pitchFamily="34" charset="0"/>
+              <a:buChar char="•"/>
+            </a:pPr>
+            <a:r>
+              <a:rPr lang="en-GB" dirty="0"/>
+              <a:t>Azure Container Apps.</a:t>
+            </a:r>
+          </a:p>
+          <a:p>
+            <a:pPr marL="285750" indent="-285750" algn="just">
+              <a:lnSpc>
+                <a:spcPct val="150000"/>
+              </a:lnSpc>
+              <a:spcBef>
+                <a:spcPts val="1000"/>
+              </a:spcBef>
+              <a:buSzPct val="100000"/>
+              <a:buFont typeface="Arial" panose="020B0604020202020204" pitchFamily="34" charset="0"/>
+              <a:buChar char="•"/>
+            </a:pPr>
+            <a:r>
+              <a:rPr lang="en-GB" dirty="0"/>
+              <a:t>Azure Service Apps.</a:t>
+            </a:r>
+          </a:p>
+          <a:p>
+            <a:pPr marL="285750" indent="-285750" algn="just">
+              <a:lnSpc>
+                <a:spcPct val="150000"/>
+              </a:lnSpc>
+              <a:spcBef>
+                <a:spcPts val="1000"/>
+              </a:spcBef>
+              <a:buSzPct val="100000"/>
+              <a:buFont typeface="Arial" panose="020B0604020202020204" pitchFamily="34" charset="0"/>
+              <a:buChar char="•"/>
+            </a:pPr>
+            <a:r>
+              <a:rPr lang="en-GB" dirty="0"/>
+              <a:t>Azure </a:t>
+            </a:r>
+            <a:r>
+              <a:rPr lang="en-GB"/>
+              <a:t>Communication service.</a:t>
+            </a:r>
+            <a:endParaRPr lang="en-GB" dirty="0"/>
+          </a:p>
+          <a:p>
+            <a:pPr marL="285750" indent="-285750" algn="just">
+              <a:lnSpc>
+                <a:spcPct val="150000"/>
+              </a:lnSpc>
+              <a:spcBef>
+                <a:spcPts val="1000"/>
+              </a:spcBef>
+              <a:buSzPct val="100000"/>
+              <a:buFont typeface="Arial" panose="020B0604020202020204" pitchFamily="34" charset="0"/>
+              <a:buChar char="•"/>
+            </a:pPr>
+            <a:r>
+              <a:rPr lang="en-GB" dirty="0"/>
+              <a:t>Azure Storage Accounts.</a:t>
             </a:r>
           </a:p>
         </p:txBody>
@@ -23604,7 +23725,7 @@
         </p:spPr>
         <p:txBody>
           <a:bodyPr lIns="0" rIns="0">
-            <a:normAutofit/>
+            <a:normAutofit lnSpcReduction="10000"/>
           </a:bodyPr>
           <a:lstStyle/>
           <a:p>
@@ -23698,6 +23819,24 @@
               </a:lnSpc>
             </a:pPr>
             <a:r>
+              <a:rPr lang="en-GB">
+                <a:latin typeface="Times New Roman" pitchFamily="18"/>
+                <a:cs typeface="Times New Roman" pitchFamily="18"/>
+              </a:rPr>
+              <a:t>Azure Architecture.</a:t>
+            </a:r>
+            <a:endParaRPr lang="en-GB" dirty="0">
+              <a:latin typeface="Times New Roman" pitchFamily="18"/>
+              <a:cs typeface="Times New Roman" pitchFamily="18"/>
+            </a:endParaRPr>
+          </a:p>
+          <a:p>
+            <a:pPr marL="285750" lvl="0" indent="-285750">
+              <a:lnSpc>
+                <a:spcPct val="100000"/>
+              </a:lnSpc>
+            </a:pPr>
+            <a:r>
               <a:rPr lang="en-GB" dirty="0">
                 <a:latin typeface="Times New Roman" pitchFamily="18"/>
                 <a:cs typeface="Times New Roman" pitchFamily="18"/>
@@ -23712,16 +23851,12 @@
               </a:lnSpc>
             </a:pPr>
             <a:r>
-              <a:rPr lang="en-GB">
+              <a:rPr lang="en-GB" dirty="0">
                 <a:latin typeface="Times New Roman" pitchFamily="18"/>
                 <a:cs typeface="Times New Roman" pitchFamily="18"/>
               </a:rPr>
               <a:t>Demo.</a:t>
             </a:r>
-            <a:endParaRPr lang="en-GB" dirty="0">
-              <a:latin typeface="Times New Roman" pitchFamily="18"/>
-              <a:cs typeface="Times New Roman" pitchFamily="18"/>
-            </a:endParaRPr>
           </a:p>
           <a:p>
             <a:pPr marL="285750" lvl="0" indent="-285750">
